--- a/WhisperAI/WhisperAI.pptx
+++ b/WhisperAI/WhisperAI.pptx
@@ -29,6 +29,7 @@
     <p:sldId id="277" r:id="rId23"/>
     <p:sldId id="278" r:id="rId24"/>
     <p:sldId id="279" r:id="rId25"/>
+    <p:sldId id="280" r:id="rId26"/>
   </p:sldIdLst>
   <p:sldSz cx="12192000" cy="6858000"/>
   <p:notesSz cx="6858000" cy="9144000"/>
@@ -282,7 +283,7 @@
           <a:p>
             <a:fld id="{58C6EF45-50C0-4862-8B00-CCAB5FB17E46}" type="datetimeFigureOut">
               <a:rPr lang="ru-RU" smtClean="0"/>
-              <a:t>20.12.2023</a:t>
+              <a:t>25.12.2023</a:t>
             </a:fld>
             <a:endParaRPr lang="ru-RU"/>
           </a:p>
@@ -480,7 +481,7 @@
           <a:p>
             <a:fld id="{58C6EF45-50C0-4862-8B00-CCAB5FB17E46}" type="datetimeFigureOut">
               <a:rPr lang="ru-RU" smtClean="0"/>
-              <a:t>20.12.2023</a:t>
+              <a:t>25.12.2023</a:t>
             </a:fld>
             <a:endParaRPr lang="ru-RU"/>
           </a:p>
@@ -688,7 +689,7 @@
           <a:p>
             <a:fld id="{58C6EF45-50C0-4862-8B00-CCAB5FB17E46}" type="datetimeFigureOut">
               <a:rPr lang="ru-RU" smtClean="0"/>
-              <a:t>20.12.2023</a:t>
+              <a:t>25.12.2023</a:t>
             </a:fld>
             <a:endParaRPr lang="ru-RU"/>
           </a:p>
@@ -886,7 +887,7 @@
           <a:p>
             <a:fld id="{58C6EF45-50C0-4862-8B00-CCAB5FB17E46}" type="datetimeFigureOut">
               <a:rPr lang="ru-RU" smtClean="0"/>
-              <a:t>20.12.2023</a:t>
+              <a:t>25.12.2023</a:t>
             </a:fld>
             <a:endParaRPr lang="ru-RU"/>
           </a:p>
@@ -1161,7 +1162,7 @@
           <a:p>
             <a:fld id="{58C6EF45-50C0-4862-8B00-CCAB5FB17E46}" type="datetimeFigureOut">
               <a:rPr lang="ru-RU" smtClean="0"/>
-              <a:t>20.12.2023</a:t>
+              <a:t>25.12.2023</a:t>
             </a:fld>
             <a:endParaRPr lang="ru-RU"/>
           </a:p>
@@ -1426,7 +1427,7 @@
           <a:p>
             <a:fld id="{58C6EF45-50C0-4862-8B00-CCAB5FB17E46}" type="datetimeFigureOut">
               <a:rPr lang="ru-RU" smtClean="0"/>
-              <a:t>20.12.2023</a:t>
+              <a:t>25.12.2023</a:t>
             </a:fld>
             <a:endParaRPr lang="ru-RU"/>
           </a:p>
@@ -1838,7 +1839,7 @@
           <a:p>
             <a:fld id="{58C6EF45-50C0-4862-8B00-CCAB5FB17E46}" type="datetimeFigureOut">
               <a:rPr lang="ru-RU" smtClean="0"/>
-              <a:t>20.12.2023</a:t>
+              <a:t>25.12.2023</a:t>
             </a:fld>
             <a:endParaRPr lang="ru-RU"/>
           </a:p>
@@ -1979,7 +1980,7 @@
           <a:p>
             <a:fld id="{58C6EF45-50C0-4862-8B00-CCAB5FB17E46}" type="datetimeFigureOut">
               <a:rPr lang="ru-RU" smtClean="0"/>
-              <a:t>20.12.2023</a:t>
+              <a:t>25.12.2023</a:t>
             </a:fld>
             <a:endParaRPr lang="ru-RU"/>
           </a:p>
@@ -2092,7 +2093,7 @@
           <a:p>
             <a:fld id="{58C6EF45-50C0-4862-8B00-CCAB5FB17E46}" type="datetimeFigureOut">
               <a:rPr lang="ru-RU" smtClean="0"/>
-              <a:t>20.12.2023</a:t>
+              <a:t>25.12.2023</a:t>
             </a:fld>
             <a:endParaRPr lang="ru-RU"/>
           </a:p>
@@ -2403,7 +2404,7 @@
           <a:p>
             <a:fld id="{58C6EF45-50C0-4862-8B00-CCAB5FB17E46}" type="datetimeFigureOut">
               <a:rPr lang="ru-RU" smtClean="0"/>
-              <a:t>20.12.2023</a:t>
+              <a:t>25.12.2023</a:t>
             </a:fld>
             <a:endParaRPr lang="ru-RU"/>
           </a:p>
@@ -2691,7 +2692,7 @@
           <a:p>
             <a:fld id="{58C6EF45-50C0-4862-8B00-CCAB5FB17E46}" type="datetimeFigureOut">
               <a:rPr lang="ru-RU" smtClean="0"/>
-              <a:t>20.12.2023</a:t>
+              <a:t>25.12.2023</a:t>
             </a:fld>
             <a:endParaRPr lang="ru-RU"/>
           </a:p>
@@ -2932,7 +2933,7 @@
           <a:p>
             <a:fld id="{58C6EF45-50C0-4862-8B00-CCAB5FB17E46}" type="datetimeFigureOut">
               <a:rPr lang="ru-RU" smtClean="0"/>
-              <a:t>20.12.2023</a:t>
+              <a:t>25.12.2023</a:t>
             </a:fld>
             <a:endParaRPr lang="ru-RU"/>
           </a:p>
@@ -12528,7 +12529,25 @@
                 </a:solidFill>
                 <a:latin typeface="Bahnschrift Light Condensed" panose="020B0502040204020203" pitchFamily="34" charset="0"/>
               </a:rPr>
-              <a:t>model.config.suppress_tokens = []              # </a:t>
+              <a:t>model.config.suppress_tokens = [</a:t>
+            </a:r>
+            <a:r>
+              <a:rPr lang="ru-RU" sz="1600" dirty="0">
+                <a:solidFill>
+                  <a:schemeClr val="bg1"/>
+                </a:solidFill>
+                <a:latin typeface="Bahnschrift Light Condensed" panose="020B0502040204020203" pitchFamily="34" charset="0"/>
+              </a:rPr>
+              <a:t> </a:t>
+            </a:r>
+            <a:r>
+              <a:rPr lang="it-IT" sz="1600" dirty="0">
+                <a:solidFill>
+                  <a:schemeClr val="bg1"/>
+                </a:solidFill>
+                <a:latin typeface="Bahnschrift Light Condensed" panose="020B0502040204020203" pitchFamily="34" charset="0"/>
+              </a:rPr>
+              <a:t>]             # </a:t>
             </a:r>
             <a:r>
               <a:rPr lang="ru-RU" sz="1600" dirty="0">
@@ -15138,6 +15157,163 @@
           </a:p>
         </p:txBody>
       </p:sp>
+    </p:spTree>
+    <p:extLst>
+      <p:ext uri="{BB962C8B-B14F-4D97-AF65-F5344CB8AC3E}">
+        <p14:creationId xmlns:p14="http://schemas.microsoft.com/office/powerpoint/2010/main" val="2956695530"/>
+      </p:ext>
+    </p:extLst>
+  </p:cSld>
+  <p:clrMapOvr>
+    <a:masterClrMapping/>
+  </p:clrMapOvr>
+</p:sld>
+</file>
+
+<file path=ppt/slides/slide25.xml><?xml version="1.0" encoding="utf-8"?>
+<p:sld xmlns:a="http://schemas.openxmlformats.org/drawingml/2006/main" xmlns:r="http://schemas.openxmlformats.org/officeDocument/2006/relationships" xmlns:p="http://schemas.openxmlformats.org/presentationml/2006/main">
+  <p:cSld>
+    <p:bg>
+      <p:bgPr>
+        <a:solidFill>
+          <a:schemeClr val="tx1"/>
+        </a:solidFill>
+        <a:effectLst/>
+      </p:bgPr>
+    </p:bg>
+    <p:spTree>
+      <p:nvGrpSpPr>
+        <p:cNvPr id="1" name=""/>
+        <p:cNvGrpSpPr/>
+        <p:nvPr/>
+      </p:nvGrpSpPr>
+      <p:grpSpPr>
+        <a:xfrm>
+          <a:off x="0" y="0"/>
+          <a:ext cx="0" cy="0"/>
+          <a:chOff x="0" y="0"/>
+          <a:chExt cx="0" cy="0"/>
+        </a:xfrm>
+      </p:grpSpPr>
+      <p:sp>
+        <p:nvSpPr>
+          <p:cNvPr id="2" name="Заголовок 1">
+            <a:extLst>
+              <a:ext uri="{FF2B5EF4-FFF2-40B4-BE49-F238E27FC236}">
+                <a16:creationId xmlns:a16="http://schemas.microsoft.com/office/drawing/2014/main" id="{7986775A-4DE6-4D1F-8BCA-2A5B5EC9D711}"/>
+              </a:ext>
+            </a:extLst>
+          </p:cNvPr>
+          <p:cNvSpPr>
+            <a:spLocks noGrp="1"/>
+          </p:cNvSpPr>
+          <p:nvPr>
+            <p:ph type="title"/>
+          </p:nvPr>
+        </p:nvSpPr>
+        <p:spPr>
+          <a:xfrm>
+            <a:off x="0" y="0"/>
+            <a:ext cx="12260424" cy="1810916"/>
+          </a:xfrm>
+        </p:spPr>
+        <p:txBody>
+          <a:bodyPr>
+            <a:noAutofit/>
+          </a:bodyPr>
+          <a:lstStyle/>
+          <a:p>
+            <a:pPr algn="ctr"/>
+            <a:r>
+              <a:rPr lang="en-US" dirty="0">
+                <a:solidFill>
+                  <a:schemeClr val="bg1"/>
+                </a:solidFill>
+                <a:latin typeface="Bahnschrift Light" panose="020B0502040204020203" pitchFamily="34" charset="0"/>
+              </a:rPr>
+              <a:t>Additional sources of information</a:t>
+            </a:r>
+            <a:endParaRPr lang="ru-RU" dirty="0">
+              <a:solidFill>
+                <a:schemeClr val="bg1"/>
+              </a:solidFill>
+              <a:latin typeface="Bahnschrift Light" panose="020B0502040204020203" pitchFamily="34" charset="0"/>
+            </a:endParaRPr>
+          </a:p>
+        </p:txBody>
+      </p:sp>
+      <p:sp>
+        <p:nvSpPr>
+          <p:cNvPr id="4" name="Объект 3">
+            <a:extLst>
+              <a:ext uri="{FF2B5EF4-FFF2-40B4-BE49-F238E27FC236}">
+                <a16:creationId xmlns:a16="http://schemas.microsoft.com/office/drawing/2014/main" id="{3982E644-15C8-471B-A875-55574C45F17A}"/>
+              </a:ext>
+            </a:extLst>
+          </p:cNvPr>
+          <p:cNvSpPr>
+            <a:spLocks noGrp="1"/>
+          </p:cNvSpPr>
+          <p:nvPr>
+            <p:ph sz="half" idx="2"/>
+          </p:nvPr>
+        </p:nvSpPr>
+        <p:spPr>
+          <a:xfrm>
+            <a:off x="246925" y="1904537"/>
+            <a:ext cx="11698149" cy="3406435"/>
+          </a:xfrm>
+        </p:spPr>
+        <p:txBody>
+          <a:bodyPr>
+            <a:noAutofit/>
+          </a:bodyPr>
+          <a:lstStyle/>
+          <a:p>
+            <a:pPr marL="0" indent="0">
+              <a:buNone/>
+            </a:pPr>
+            <a:endParaRPr lang="ru-RU" sz="4400" dirty="0">
+              <a:solidFill>
+                <a:schemeClr val="bg1"/>
+              </a:solidFill>
+              <a:latin typeface="Bahnschrift Light" panose="020B0502040204020203" pitchFamily="34" charset="0"/>
+              <a:ea typeface="+mj-ea"/>
+              <a:cs typeface="+mj-cs"/>
+            </a:endParaRPr>
+          </a:p>
+          <a:p>
+            <a:pPr marL="0" indent="0">
+              <a:buNone/>
+            </a:pPr>
+            <a:endParaRPr lang="en-US" sz="1600" dirty="0">
+              <a:solidFill>
+                <a:schemeClr val="bg1"/>
+              </a:solidFill>
+              <a:latin typeface="Bahnschrift Light Condensed" panose="020B0502040204020203" pitchFamily="34" charset="0"/>
+            </a:endParaRPr>
+          </a:p>
+          <a:p>
+            <a:pPr marL="0" indent="0">
+              <a:buNone/>
+            </a:pPr>
+            <a:br>
+              <a:rPr lang="en-US" sz="1600" dirty="0">
+                <a:solidFill>
+                  <a:schemeClr val="bg1"/>
+                </a:solidFill>
+                <a:latin typeface="Bahnschrift Light Condensed" panose="020B0502040204020203" pitchFamily="34" charset="0"/>
+              </a:rPr>
+            </a:br>
+            <a:endParaRPr lang="ru-RU" sz="1600" dirty="0">
+              <a:solidFill>
+                <a:schemeClr val="bg1"/>
+              </a:solidFill>
+              <a:latin typeface="Bahnschrift Light Condensed" panose="020B0502040204020203" pitchFamily="34" charset="0"/>
+            </a:endParaRPr>
+          </a:p>
+        </p:txBody>
+      </p:sp>
       <p:pic>
         <p:nvPicPr>
           <p:cNvPr id="5" name="Рисунок 4">
@@ -15166,7 +15342,7 @@
         </p:blipFill>
         <p:spPr>
           <a:xfrm>
-            <a:off x="8389319" y="2785413"/>
+            <a:off x="398764" y="1547028"/>
             <a:ext cx="3497883" cy="3406435"/>
           </a:xfrm>
           <a:prstGeom prst="rect">
@@ -15190,8 +15366,8 @@
         </p:nvSpPr>
         <p:spPr>
           <a:xfrm>
-            <a:off x="7091680" y="6191848"/>
-            <a:ext cx="5100320" cy="2424986"/>
+            <a:off x="991177" y="4906653"/>
+            <a:ext cx="2378892" cy="451130"/>
           </a:xfrm>
           <a:prstGeom prst="rect">
             <a:avLst/>
@@ -15377,56 +15553,26 @@
                 </a:solidFill>
                 <a:latin typeface="Bahnschrift Light Condensed" panose="020B0502040204020203" pitchFamily="34" charset="0"/>
               </a:rPr>
-              <a:t>Оригинальный гайд (но у меня он дополнен)</a:t>
-            </a:r>
-            <a:endParaRPr lang="en-US" sz="2400" dirty="0">
-              <a:solidFill>
-                <a:schemeClr val="bg1"/>
-              </a:solidFill>
-              <a:latin typeface="Bahnschrift Light Condensed" panose="020B0502040204020203" pitchFamily="34" charset="0"/>
-            </a:endParaRPr>
-          </a:p>
-          <a:p>
-            <a:pPr marL="0" indent="0">
-              <a:buFont typeface="Arial" panose="020B0604020202020204" pitchFamily="34" charset="0"/>
-              <a:buNone/>
-            </a:pPr>
-            <a:endParaRPr lang="ru-RU" sz="1600" dirty="0">
-              <a:solidFill>
-                <a:schemeClr val="bg1"/>
-              </a:solidFill>
-              <a:latin typeface="Bahnschrift Light Condensed" panose="020B0502040204020203" pitchFamily="34" charset="0"/>
-            </a:endParaRPr>
-          </a:p>
-          <a:p>
-            <a:pPr marL="0" indent="0">
-              <a:buFont typeface="Arial" panose="020B0604020202020204" pitchFamily="34" charset="0"/>
-              <a:buNone/>
-            </a:pPr>
-            <a:endParaRPr lang="ru-RU" sz="1600" dirty="0">
-              <a:solidFill>
-                <a:schemeClr val="bg1"/>
-              </a:solidFill>
-              <a:latin typeface="Bahnschrift Light Condensed" panose="020B0502040204020203" pitchFamily="34" charset="0"/>
-            </a:endParaRPr>
-          </a:p>
-          <a:p>
-            <a:pPr marL="0" indent="0">
-              <a:buFont typeface="Arial" panose="020B0604020202020204" pitchFamily="34" charset="0"/>
-              <a:buNone/>
-            </a:pPr>
-            <a:endParaRPr lang="ru-RU" sz="1600" dirty="0">
-              <a:solidFill>
-                <a:schemeClr val="bg1"/>
-              </a:solidFill>
-              <a:latin typeface="Bahnschrift Light Condensed" panose="020B0502040204020203" pitchFamily="34" charset="0"/>
-            </a:endParaRPr>
-          </a:p>
-          <a:p>
-            <a:pPr marL="0" indent="0">
-              <a:buFont typeface="Arial" panose="020B0604020202020204" pitchFamily="34" charset="0"/>
-              <a:buNone/>
-            </a:pPr>
+              <a:t>Оригинальный</a:t>
+            </a:r>
+            <a:r>
+              <a:rPr lang="en-US" sz="2400" dirty="0">
+                <a:solidFill>
+                  <a:schemeClr val="bg1"/>
+                </a:solidFill>
+                <a:latin typeface="Bahnschrift Light Condensed" panose="020B0502040204020203" pitchFamily="34" charset="0"/>
+              </a:rPr>
+              <a:t> </a:t>
+            </a:r>
+            <a:r>
+              <a:rPr lang="ru-RU" sz="2400" dirty="0">
+                <a:solidFill>
+                  <a:schemeClr val="bg1"/>
+                </a:solidFill>
+                <a:latin typeface="Bahnschrift Light Condensed" panose="020B0502040204020203" pitchFamily="34" charset="0"/>
+              </a:rPr>
+              <a:t>гайд</a:t>
+            </a:r>
             <a:endParaRPr lang="en-US" sz="1600" dirty="0">
               <a:solidFill>
                 <a:schemeClr val="bg1"/>
@@ -15456,10 +15602,652 @@
           </a:p>
         </p:txBody>
       </p:sp>
+      <p:pic>
+        <p:nvPicPr>
+          <p:cNvPr id="9" name="Рисунок 8">
+            <a:extLst>
+              <a:ext uri="{FF2B5EF4-FFF2-40B4-BE49-F238E27FC236}">
+                <a16:creationId xmlns:a16="http://schemas.microsoft.com/office/drawing/2014/main" id="{5D60911A-94CA-469F-9BE3-65E909EA09BB}"/>
+              </a:ext>
+            </a:extLst>
+          </p:cNvPr>
+          <p:cNvPicPr>
+            <a:picLocks noChangeAspect="1"/>
+          </p:cNvPicPr>
+          <p:nvPr/>
+        </p:nvPicPr>
+        <p:blipFill>
+          <a:blip r:embed="rId3">
+            <a:extLst>
+              <a:ext uri="{28A0092B-C50C-407E-A947-70E740481C1C}">
+                <a14:useLocalDpi xmlns:a14="http://schemas.microsoft.com/office/drawing/2010/main" val="0"/>
+              </a:ext>
+            </a:extLst>
+          </a:blip>
+          <a:stretch>
+            <a:fillRect/>
+          </a:stretch>
+        </p:blipFill>
+        <p:spPr>
+          <a:xfrm>
+            <a:off x="3999063" y="1359745"/>
+            <a:ext cx="3836986" cy="3836986"/>
+          </a:xfrm>
+          <a:prstGeom prst="rect">
+            <a:avLst/>
+          </a:prstGeom>
+        </p:spPr>
+      </p:pic>
+      <p:sp>
+        <p:nvSpPr>
+          <p:cNvPr id="10" name="Объект 3">
+            <a:extLst>
+              <a:ext uri="{FF2B5EF4-FFF2-40B4-BE49-F238E27FC236}">
+                <a16:creationId xmlns:a16="http://schemas.microsoft.com/office/drawing/2014/main" id="{88E7C4E9-2A77-439C-BACD-73292A14734F}"/>
+              </a:ext>
+            </a:extLst>
+          </p:cNvPr>
+          <p:cNvSpPr txBox="1">
+            <a:spLocks/>
+          </p:cNvSpPr>
+          <p:nvPr/>
+        </p:nvSpPr>
+        <p:spPr>
+          <a:xfrm>
+            <a:off x="4314073" y="4921161"/>
+            <a:ext cx="3225100" cy="1372227"/>
+          </a:xfrm>
+          <a:prstGeom prst="rect">
+            <a:avLst/>
+          </a:prstGeom>
+        </p:spPr>
+        <p:txBody>
+          <a:bodyPr vert="horz" lIns="91440" tIns="45720" rIns="91440" bIns="45720" rtlCol="0">
+            <a:noAutofit/>
+          </a:bodyPr>
+          <a:lstStyle>
+            <a:lvl1pPr marL="228600" indent="-228600" algn="l" defTabSz="914400" rtl="0" eaLnBrk="1" latinLnBrk="0" hangingPunct="1">
+              <a:lnSpc>
+                <a:spcPct val="90000"/>
+              </a:lnSpc>
+              <a:spcBef>
+                <a:spcPts val="1000"/>
+              </a:spcBef>
+              <a:buFont typeface="Arial" panose="020B0604020202020204" pitchFamily="34" charset="0"/>
+              <a:buChar char="•"/>
+              <a:defRPr sz="2800" kern="1200">
+                <a:solidFill>
+                  <a:schemeClr val="tx1"/>
+                </a:solidFill>
+                <a:latin typeface="+mn-lt"/>
+                <a:ea typeface="+mn-ea"/>
+                <a:cs typeface="+mn-cs"/>
+              </a:defRPr>
+            </a:lvl1pPr>
+            <a:lvl2pPr marL="685800" indent="-228600" algn="l" defTabSz="914400" rtl="0" eaLnBrk="1" latinLnBrk="0" hangingPunct="1">
+              <a:lnSpc>
+                <a:spcPct val="90000"/>
+              </a:lnSpc>
+              <a:spcBef>
+                <a:spcPts val="500"/>
+              </a:spcBef>
+              <a:buFont typeface="Arial" panose="020B0604020202020204" pitchFamily="34" charset="0"/>
+              <a:buChar char="•"/>
+              <a:defRPr sz="2400" kern="1200">
+                <a:solidFill>
+                  <a:schemeClr val="tx1"/>
+                </a:solidFill>
+                <a:latin typeface="+mn-lt"/>
+                <a:ea typeface="+mn-ea"/>
+                <a:cs typeface="+mn-cs"/>
+              </a:defRPr>
+            </a:lvl2pPr>
+            <a:lvl3pPr marL="1143000" indent="-228600" algn="l" defTabSz="914400" rtl="0" eaLnBrk="1" latinLnBrk="0" hangingPunct="1">
+              <a:lnSpc>
+                <a:spcPct val="90000"/>
+              </a:lnSpc>
+              <a:spcBef>
+                <a:spcPts val="500"/>
+              </a:spcBef>
+              <a:buFont typeface="Arial" panose="020B0604020202020204" pitchFamily="34" charset="0"/>
+              <a:buChar char="•"/>
+              <a:defRPr sz="2000" kern="1200">
+                <a:solidFill>
+                  <a:schemeClr val="tx1"/>
+                </a:solidFill>
+                <a:latin typeface="+mn-lt"/>
+                <a:ea typeface="+mn-ea"/>
+                <a:cs typeface="+mn-cs"/>
+              </a:defRPr>
+            </a:lvl3pPr>
+            <a:lvl4pPr marL="1600200" indent="-228600" algn="l" defTabSz="914400" rtl="0" eaLnBrk="1" latinLnBrk="0" hangingPunct="1">
+              <a:lnSpc>
+                <a:spcPct val="90000"/>
+              </a:lnSpc>
+              <a:spcBef>
+                <a:spcPts val="500"/>
+              </a:spcBef>
+              <a:buFont typeface="Arial" panose="020B0604020202020204" pitchFamily="34" charset="0"/>
+              <a:buChar char="•"/>
+              <a:defRPr sz="1800" kern="1200">
+                <a:solidFill>
+                  <a:schemeClr val="tx1"/>
+                </a:solidFill>
+                <a:latin typeface="+mn-lt"/>
+                <a:ea typeface="+mn-ea"/>
+                <a:cs typeface="+mn-cs"/>
+              </a:defRPr>
+            </a:lvl4pPr>
+            <a:lvl5pPr marL="2057400" indent="-228600" algn="l" defTabSz="914400" rtl="0" eaLnBrk="1" latinLnBrk="0" hangingPunct="1">
+              <a:lnSpc>
+                <a:spcPct val="90000"/>
+              </a:lnSpc>
+              <a:spcBef>
+                <a:spcPts val="500"/>
+              </a:spcBef>
+              <a:buFont typeface="Arial" panose="020B0604020202020204" pitchFamily="34" charset="0"/>
+              <a:buChar char="•"/>
+              <a:defRPr sz="1800" kern="1200">
+                <a:solidFill>
+                  <a:schemeClr val="tx1"/>
+                </a:solidFill>
+                <a:latin typeface="+mn-lt"/>
+                <a:ea typeface="+mn-ea"/>
+                <a:cs typeface="+mn-cs"/>
+              </a:defRPr>
+            </a:lvl5pPr>
+            <a:lvl6pPr marL="2514600" indent="-228600" algn="l" defTabSz="914400" rtl="0" eaLnBrk="1" latinLnBrk="0" hangingPunct="1">
+              <a:lnSpc>
+                <a:spcPct val="90000"/>
+              </a:lnSpc>
+              <a:spcBef>
+                <a:spcPts val="500"/>
+              </a:spcBef>
+              <a:buFont typeface="Arial" panose="020B0604020202020204" pitchFamily="34" charset="0"/>
+              <a:buChar char="•"/>
+              <a:defRPr sz="1800" kern="1200">
+                <a:solidFill>
+                  <a:schemeClr val="tx1"/>
+                </a:solidFill>
+                <a:latin typeface="+mn-lt"/>
+                <a:ea typeface="+mn-ea"/>
+                <a:cs typeface="+mn-cs"/>
+              </a:defRPr>
+            </a:lvl6pPr>
+            <a:lvl7pPr marL="2971800" indent="-228600" algn="l" defTabSz="914400" rtl="0" eaLnBrk="1" latinLnBrk="0" hangingPunct="1">
+              <a:lnSpc>
+                <a:spcPct val="90000"/>
+              </a:lnSpc>
+              <a:spcBef>
+                <a:spcPts val="500"/>
+              </a:spcBef>
+              <a:buFont typeface="Arial" panose="020B0604020202020204" pitchFamily="34" charset="0"/>
+              <a:buChar char="•"/>
+              <a:defRPr sz="1800" kern="1200">
+                <a:solidFill>
+                  <a:schemeClr val="tx1"/>
+                </a:solidFill>
+                <a:latin typeface="+mn-lt"/>
+                <a:ea typeface="+mn-ea"/>
+                <a:cs typeface="+mn-cs"/>
+              </a:defRPr>
+            </a:lvl7pPr>
+            <a:lvl8pPr marL="3429000" indent="-228600" algn="l" defTabSz="914400" rtl="0" eaLnBrk="1" latinLnBrk="0" hangingPunct="1">
+              <a:lnSpc>
+                <a:spcPct val="90000"/>
+              </a:lnSpc>
+              <a:spcBef>
+                <a:spcPts val="500"/>
+              </a:spcBef>
+              <a:buFont typeface="Arial" panose="020B0604020202020204" pitchFamily="34" charset="0"/>
+              <a:buChar char="•"/>
+              <a:defRPr sz="1800" kern="1200">
+                <a:solidFill>
+                  <a:schemeClr val="tx1"/>
+                </a:solidFill>
+                <a:latin typeface="+mn-lt"/>
+                <a:ea typeface="+mn-ea"/>
+                <a:cs typeface="+mn-cs"/>
+              </a:defRPr>
+            </a:lvl8pPr>
+            <a:lvl9pPr marL="3886200" indent="-228600" algn="l" defTabSz="914400" rtl="0" eaLnBrk="1" latinLnBrk="0" hangingPunct="1">
+              <a:lnSpc>
+                <a:spcPct val="90000"/>
+              </a:lnSpc>
+              <a:spcBef>
+                <a:spcPts val="500"/>
+              </a:spcBef>
+              <a:buFont typeface="Arial" panose="020B0604020202020204" pitchFamily="34" charset="0"/>
+              <a:buChar char="•"/>
+              <a:defRPr sz="1800" kern="1200">
+                <a:solidFill>
+                  <a:schemeClr val="tx1"/>
+                </a:solidFill>
+                <a:latin typeface="+mn-lt"/>
+                <a:ea typeface="+mn-ea"/>
+                <a:cs typeface="+mn-cs"/>
+              </a:defRPr>
+            </a:lvl9pPr>
+          </a:lstStyle>
+          <a:p>
+            <a:pPr marL="0" indent="0" algn="ctr">
+              <a:buFont typeface="Arial" panose="020B0604020202020204" pitchFamily="34" charset="0"/>
+              <a:buNone/>
+            </a:pPr>
+            <a:r>
+              <a:rPr lang="ru-RU" sz="2400" dirty="0">
+                <a:solidFill>
+                  <a:schemeClr val="bg1"/>
+                </a:solidFill>
+                <a:latin typeface="Bahnschrift Light Condensed" panose="020B0502040204020203" pitchFamily="34" charset="0"/>
+              </a:rPr>
+              <a:t>Как работать со звуком в машинном обучении</a:t>
+            </a:r>
+            <a:r>
+              <a:rPr lang="en-US" sz="2400" dirty="0">
+                <a:solidFill>
+                  <a:schemeClr val="bg1"/>
+                </a:solidFill>
+                <a:latin typeface="Bahnschrift Light Condensed" panose="020B0502040204020203" pitchFamily="34" charset="0"/>
+              </a:rPr>
+              <a:t>?</a:t>
+            </a:r>
+            <a:endParaRPr lang="ru-RU" sz="2400" dirty="0">
+              <a:solidFill>
+                <a:schemeClr val="bg1"/>
+              </a:solidFill>
+              <a:latin typeface="Bahnschrift Light Condensed" panose="020B0502040204020203" pitchFamily="34" charset="0"/>
+            </a:endParaRPr>
+          </a:p>
+          <a:p>
+            <a:pPr marL="0" indent="0" algn="ctr">
+              <a:buFont typeface="Arial" panose="020B0604020202020204" pitchFamily="34" charset="0"/>
+              <a:buNone/>
+            </a:pPr>
+            <a:r>
+              <a:rPr lang="ru-RU" sz="2400" dirty="0">
+                <a:solidFill>
+                  <a:schemeClr val="bg1"/>
+                </a:solidFill>
+                <a:latin typeface="Bahnschrift Light Condensed" panose="020B0502040204020203" pitchFamily="34" charset="0"/>
+              </a:rPr>
+              <a:t>(В том числе спектрограммы)</a:t>
+            </a:r>
+            <a:endParaRPr lang="ru-RU" sz="1600" dirty="0">
+              <a:solidFill>
+                <a:schemeClr val="bg1"/>
+              </a:solidFill>
+              <a:latin typeface="Bahnschrift Light Condensed" panose="020B0502040204020203" pitchFamily="34" charset="0"/>
+            </a:endParaRPr>
+          </a:p>
+          <a:p>
+            <a:pPr marL="0" indent="0">
+              <a:buFont typeface="Arial" panose="020B0604020202020204" pitchFamily="34" charset="0"/>
+              <a:buNone/>
+            </a:pPr>
+            <a:endParaRPr lang="ru-RU" sz="1600" dirty="0">
+              <a:solidFill>
+                <a:schemeClr val="bg1"/>
+              </a:solidFill>
+              <a:latin typeface="Bahnschrift Light Condensed" panose="020B0502040204020203" pitchFamily="34" charset="0"/>
+            </a:endParaRPr>
+          </a:p>
+          <a:p>
+            <a:pPr marL="0" indent="0">
+              <a:buFont typeface="Arial" panose="020B0604020202020204" pitchFamily="34" charset="0"/>
+              <a:buNone/>
+            </a:pPr>
+            <a:endParaRPr lang="ru-RU" sz="1600" dirty="0">
+              <a:solidFill>
+                <a:schemeClr val="bg1"/>
+              </a:solidFill>
+              <a:latin typeface="Bahnschrift Light Condensed" panose="020B0502040204020203" pitchFamily="34" charset="0"/>
+            </a:endParaRPr>
+          </a:p>
+          <a:p>
+            <a:pPr marL="0" indent="0">
+              <a:buFont typeface="Arial" panose="020B0604020202020204" pitchFamily="34" charset="0"/>
+              <a:buNone/>
+            </a:pPr>
+            <a:endParaRPr lang="en-US" sz="1600" dirty="0">
+              <a:solidFill>
+                <a:schemeClr val="bg1"/>
+              </a:solidFill>
+              <a:latin typeface="Bahnschrift Light Condensed" panose="020B0502040204020203" pitchFamily="34" charset="0"/>
+            </a:endParaRPr>
+          </a:p>
+          <a:p>
+            <a:pPr marL="0" indent="0">
+              <a:buFont typeface="Arial" panose="020B0604020202020204" pitchFamily="34" charset="0"/>
+              <a:buNone/>
+            </a:pPr>
+            <a:br>
+              <a:rPr lang="en-US" sz="1600" dirty="0">
+                <a:solidFill>
+                  <a:schemeClr val="bg1"/>
+                </a:solidFill>
+                <a:latin typeface="Bahnschrift Light Condensed" panose="020B0502040204020203" pitchFamily="34" charset="0"/>
+              </a:rPr>
+            </a:br>
+            <a:endParaRPr lang="ru-RU" sz="1600" dirty="0">
+              <a:solidFill>
+                <a:schemeClr val="bg1"/>
+              </a:solidFill>
+              <a:latin typeface="Bahnschrift Light Condensed" panose="020B0502040204020203" pitchFamily="34" charset="0"/>
+            </a:endParaRPr>
+          </a:p>
+        </p:txBody>
+      </p:sp>
+      <p:pic>
+        <p:nvPicPr>
+          <p:cNvPr id="12" name="Рисунок 11">
+            <a:extLst>
+              <a:ext uri="{FF2B5EF4-FFF2-40B4-BE49-F238E27FC236}">
+                <a16:creationId xmlns:a16="http://schemas.microsoft.com/office/drawing/2014/main" id="{9B06E203-0FC2-46DB-92A7-D9E9252FC5E9}"/>
+              </a:ext>
+            </a:extLst>
+          </p:cNvPr>
+          <p:cNvPicPr>
+            <a:picLocks noChangeAspect="1"/>
+          </p:cNvPicPr>
+          <p:nvPr/>
+        </p:nvPicPr>
+        <p:blipFill>
+          <a:blip r:embed="rId4">
+            <a:extLst>
+              <a:ext uri="{28A0092B-C50C-407E-A947-70E740481C1C}">
+                <a14:useLocalDpi xmlns:a14="http://schemas.microsoft.com/office/drawing/2010/main" val="0"/>
+              </a:ext>
+            </a:extLst>
+          </a:blip>
+          <a:stretch>
+            <a:fillRect/>
+          </a:stretch>
+        </p:blipFill>
+        <p:spPr>
+          <a:xfrm>
+            <a:off x="7770098" y="1310650"/>
+            <a:ext cx="3888273" cy="3888273"/>
+          </a:xfrm>
+          <a:prstGeom prst="rect">
+            <a:avLst/>
+          </a:prstGeom>
+        </p:spPr>
+      </p:pic>
+      <p:sp>
+        <p:nvSpPr>
+          <p:cNvPr id="14" name="Объект 3">
+            <a:extLst>
+              <a:ext uri="{FF2B5EF4-FFF2-40B4-BE49-F238E27FC236}">
+                <a16:creationId xmlns:a16="http://schemas.microsoft.com/office/drawing/2014/main" id="{F8716AAC-A8F7-40C1-9AA1-DF24FB8873A4}"/>
+              </a:ext>
+            </a:extLst>
+          </p:cNvPr>
+          <p:cNvSpPr txBox="1">
+            <a:spLocks/>
+          </p:cNvSpPr>
+          <p:nvPr/>
+        </p:nvSpPr>
+        <p:spPr>
+          <a:xfrm>
+            <a:off x="8388221" y="4913079"/>
+            <a:ext cx="2714623" cy="451130"/>
+          </a:xfrm>
+          <a:prstGeom prst="rect">
+            <a:avLst/>
+          </a:prstGeom>
+        </p:spPr>
+        <p:txBody>
+          <a:bodyPr vert="horz" lIns="91440" tIns="45720" rIns="91440" bIns="45720" rtlCol="0">
+            <a:noAutofit/>
+          </a:bodyPr>
+          <a:lstStyle>
+            <a:lvl1pPr marL="228600" indent="-228600" algn="l" defTabSz="914400" rtl="0" eaLnBrk="1" latinLnBrk="0" hangingPunct="1">
+              <a:lnSpc>
+                <a:spcPct val="90000"/>
+              </a:lnSpc>
+              <a:spcBef>
+                <a:spcPts val="1000"/>
+              </a:spcBef>
+              <a:buFont typeface="Arial" panose="020B0604020202020204" pitchFamily="34" charset="0"/>
+              <a:buChar char="•"/>
+              <a:defRPr sz="2800" kern="1200">
+                <a:solidFill>
+                  <a:schemeClr val="tx1"/>
+                </a:solidFill>
+                <a:latin typeface="+mn-lt"/>
+                <a:ea typeface="+mn-ea"/>
+                <a:cs typeface="+mn-cs"/>
+              </a:defRPr>
+            </a:lvl1pPr>
+            <a:lvl2pPr marL="685800" indent="-228600" algn="l" defTabSz="914400" rtl="0" eaLnBrk="1" latinLnBrk="0" hangingPunct="1">
+              <a:lnSpc>
+                <a:spcPct val="90000"/>
+              </a:lnSpc>
+              <a:spcBef>
+                <a:spcPts val="500"/>
+              </a:spcBef>
+              <a:buFont typeface="Arial" panose="020B0604020202020204" pitchFamily="34" charset="0"/>
+              <a:buChar char="•"/>
+              <a:defRPr sz="2400" kern="1200">
+                <a:solidFill>
+                  <a:schemeClr val="tx1"/>
+                </a:solidFill>
+                <a:latin typeface="+mn-lt"/>
+                <a:ea typeface="+mn-ea"/>
+                <a:cs typeface="+mn-cs"/>
+              </a:defRPr>
+            </a:lvl2pPr>
+            <a:lvl3pPr marL="1143000" indent="-228600" algn="l" defTabSz="914400" rtl="0" eaLnBrk="1" latinLnBrk="0" hangingPunct="1">
+              <a:lnSpc>
+                <a:spcPct val="90000"/>
+              </a:lnSpc>
+              <a:spcBef>
+                <a:spcPts val="500"/>
+              </a:spcBef>
+              <a:buFont typeface="Arial" panose="020B0604020202020204" pitchFamily="34" charset="0"/>
+              <a:buChar char="•"/>
+              <a:defRPr sz="2000" kern="1200">
+                <a:solidFill>
+                  <a:schemeClr val="tx1"/>
+                </a:solidFill>
+                <a:latin typeface="+mn-lt"/>
+                <a:ea typeface="+mn-ea"/>
+                <a:cs typeface="+mn-cs"/>
+              </a:defRPr>
+            </a:lvl3pPr>
+            <a:lvl4pPr marL="1600200" indent="-228600" algn="l" defTabSz="914400" rtl="0" eaLnBrk="1" latinLnBrk="0" hangingPunct="1">
+              <a:lnSpc>
+                <a:spcPct val="90000"/>
+              </a:lnSpc>
+              <a:spcBef>
+                <a:spcPts val="500"/>
+              </a:spcBef>
+              <a:buFont typeface="Arial" panose="020B0604020202020204" pitchFamily="34" charset="0"/>
+              <a:buChar char="•"/>
+              <a:defRPr sz="1800" kern="1200">
+                <a:solidFill>
+                  <a:schemeClr val="tx1"/>
+                </a:solidFill>
+                <a:latin typeface="+mn-lt"/>
+                <a:ea typeface="+mn-ea"/>
+                <a:cs typeface="+mn-cs"/>
+              </a:defRPr>
+            </a:lvl4pPr>
+            <a:lvl5pPr marL="2057400" indent="-228600" algn="l" defTabSz="914400" rtl="0" eaLnBrk="1" latinLnBrk="0" hangingPunct="1">
+              <a:lnSpc>
+                <a:spcPct val="90000"/>
+              </a:lnSpc>
+              <a:spcBef>
+                <a:spcPts val="500"/>
+              </a:spcBef>
+              <a:buFont typeface="Arial" panose="020B0604020202020204" pitchFamily="34" charset="0"/>
+              <a:buChar char="•"/>
+              <a:defRPr sz="1800" kern="1200">
+                <a:solidFill>
+                  <a:schemeClr val="tx1"/>
+                </a:solidFill>
+                <a:latin typeface="+mn-lt"/>
+                <a:ea typeface="+mn-ea"/>
+                <a:cs typeface="+mn-cs"/>
+              </a:defRPr>
+            </a:lvl5pPr>
+            <a:lvl6pPr marL="2514600" indent="-228600" algn="l" defTabSz="914400" rtl="0" eaLnBrk="1" latinLnBrk="0" hangingPunct="1">
+              <a:lnSpc>
+                <a:spcPct val="90000"/>
+              </a:lnSpc>
+              <a:spcBef>
+                <a:spcPts val="500"/>
+              </a:spcBef>
+              <a:buFont typeface="Arial" panose="020B0604020202020204" pitchFamily="34" charset="0"/>
+              <a:buChar char="•"/>
+              <a:defRPr sz="1800" kern="1200">
+                <a:solidFill>
+                  <a:schemeClr val="tx1"/>
+                </a:solidFill>
+                <a:latin typeface="+mn-lt"/>
+                <a:ea typeface="+mn-ea"/>
+                <a:cs typeface="+mn-cs"/>
+              </a:defRPr>
+            </a:lvl6pPr>
+            <a:lvl7pPr marL="2971800" indent="-228600" algn="l" defTabSz="914400" rtl="0" eaLnBrk="1" latinLnBrk="0" hangingPunct="1">
+              <a:lnSpc>
+                <a:spcPct val="90000"/>
+              </a:lnSpc>
+              <a:spcBef>
+                <a:spcPts val="500"/>
+              </a:spcBef>
+              <a:buFont typeface="Arial" panose="020B0604020202020204" pitchFamily="34" charset="0"/>
+              <a:buChar char="•"/>
+              <a:defRPr sz="1800" kern="1200">
+                <a:solidFill>
+                  <a:schemeClr val="tx1"/>
+                </a:solidFill>
+                <a:latin typeface="+mn-lt"/>
+                <a:ea typeface="+mn-ea"/>
+                <a:cs typeface="+mn-cs"/>
+              </a:defRPr>
+            </a:lvl7pPr>
+            <a:lvl8pPr marL="3429000" indent="-228600" algn="l" defTabSz="914400" rtl="0" eaLnBrk="1" latinLnBrk="0" hangingPunct="1">
+              <a:lnSpc>
+                <a:spcPct val="90000"/>
+              </a:lnSpc>
+              <a:spcBef>
+                <a:spcPts val="500"/>
+              </a:spcBef>
+              <a:buFont typeface="Arial" panose="020B0604020202020204" pitchFamily="34" charset="0"/>
+              <a:buChar char="•"/>
+              <a:defRPr sz="1800" kern="1200">
+                <a:solidFill>
+                  <a:schemeClr val="tx1"/>
+                </a:solidFill>
+                <a:latin typeface="+mn-lt"/>
+                <a:ea typeface="+mn-ea"/>
+                <a:cs typeface="+mn-cs"/>
+              </a:defRPr>
+            </a:lvl8pPr>
+            <a:lvl9pPr marL="3886200" indent="-228600" algn="l" defTabSz="914400" rtl="0" eaLnBrk="1" latinLnBrk="0" hangingPunct="1">
+              <a:lnSpc>
+                <a:spcPct val="90000"/>
+              </a:lnSpc>
+              <a:spcBef>
+                <a:spcPts val="500"/>
+              </a:spcBef>
+              <a:buFont typeface="Arial" panose="020B0604020202020204" pitchFamily="34" charset="0"/>
+              <a:buChar char="•"/>
+              <a:defRPr sz="1800" kern="1200">
+                <a:solidFill>
+                  <a:schemeClr val="tx1"/>
+                </a:solidFill>
+                <a:latin typeface="+mn-lt"/>
+                <a:ea typeface="+mn-ea"/>
+                <a:cs typeface="+mn-cs"/>
+              </a:defRPr>
+            </a:lvl9pPr>
+          </a:lstStyle>
+          <a:p>
+            <a:pPr marL="0" indent="0">
+              <a:buFont typeface="Arial" panose="020B0604020202020204" pitchFamily="34" charset="0"/>
+              <a:buNone/>
+            </a:pPr>
+            <a:r>
+              <a:rPr lang="ru-RU" sz="2400" dirty="0">
+                <a:solidFill>
+                  <a:schemeClr val="bg1"/>
+                </a:solidFill>
+                <a:latin typeface="Bahnschrift Light Condensed" panose="020B0502040204020203" pitchFamily="34" charset="0"/>
+              </a:rPr>
+              <a:t>Репозиторий с файлами</a:t>
+            </a:r>
+            <a:endParaRPr lang="ru-RU" sz="1600" dirty="0">
+              <a:solidFill>
+                <a:schemeClr val="bg1"/>
+              </a:solidFill>
+              <a:latin typeface="Bahnschrift Light Condensed" panose="020B0502040204020203" pitchFamily="34" charset="0"/>
+            </a:endParaRPr>
+          </a:p>
+          <a:p>
+            <a:pPr marL="0" indent="0">
+              <a:buFont typeface="Arial" panose="020B0604020202020204" pitchFamily="34" charset="0"/>
+              <a:buNone/>
+            </a:pPr>
+            <a:endParaRPr lang="ru-RU" sz="1600" dirty="0">
+              <a:solidFill>
+                <a:schemeClr val="bg1"/>
+              </a:solidFill>
+              <a:latin typeface="Bahnschrift Light Condensed" panose="020B0502040204020203" pitchFamily="34" charset="0"/>
+            </a:endParaRPr>
+          </a:p>
+          <a:p>
+            <a:pPr marL="0" indent="0">
+              <a:buFont typeface="Arial" panose="020B0604020202020204" pitchFamily="34" charset="0"/>
+              <a:buNone/>
+            </a:pPr>
+            <a:endParaRPr lang="ru-RU" sz="1600" dirty="0">
+              <a:solidFill>
+                <a:schemeClr val="bg1"/>
+              </a:solidFill>
+              <a:latin typeface="Bahnschrift Light Condensed" panose="020B0502040204020203" pitchFamily="34" charset="0"/>
+            </a:endParaRPr>
+          </a:p>
+          <a:p>
+            <a:pPr marL="0" indent="0">
+              <a:buFont typeface="Arial" panose="020B0604020202020204" pitchFamily="34" charset="0"/>
+              <a:buNone/>
+            </a:pPr>
+            <a:endParaRPr lang="en-US" sz="1600" dirty="0">
+              <a:solidFill>
+                <a:schemeClr val="bg1"/>
+              </a:solidFill>
+              <a:latin typeface="Bahnschrift Light Condensed" panose="020B0502040204020203" pitchFamily="34" charset="0"/>
+            </a:endParaRPr>
+          </a:p>
+          <a:p>
+            <a:pPr marL="0" indent="0">
+              <a:buFont typeface="Arial" panose="020B0604020202020204" pitchFamily="34" charset="0"/>
+              <a:buNone/>
+            </a:pPr>
+            <a:br>
+              <a:rPr lang="en-US" sz="1600" dirty="0">
+                <a:solidFill>
+                  <a:schemeClr val="bg1"/>
+                </a:solidFill>
+                <a:latin typeface="Bahnschrift Light Condensed" panose="020B0502040204020203" pitchFamily="34" charset="0"/>
+              </a:rPr>
+            </a:br>
+            <a:endParaRPr lang="ru-RU" sz="1600" dirty="0">
+              <a:solidFill>
+                <a:schemeClr val="bg1"/>
+              </a:solidFill>
+              <a:latin typeface="Bahnschrift Light Condensed" panose="020B0502040204020203" pitchFamily="34" charset="0"/>
+            </a:endParaRPr>
+          </a:p>
+        </p:txBody>
+      </p:sp>
     </p:spTree>
     <p:extLst>
       <p:ext uri="{BB962C8B-B14F-4D97-AF65-F5344CB8AC3E}">
-        <p14:creationId xmlns:p14="http://schemas.microsoft.com/office/powerpoint/2010/main" val="2956695530"/>
+        <p14:creationId xmlns:p14="http://schemas.microsoft.com/office/powerpoint/2010/main" val="2908729156"/>
       </p:ext>
     </p:extLst>
   </p:cSld>
